--- a/1st Semester/MathAnalysis_Day_000.pptx
+++ b/1st Semester/MathAnalysis_Day_000.pptx
@@ -4181,26 +4181,24 @@
           <a:lstStyle/>
           <a:p>
             <a:r>
-              <a:rPr lang="en-US" dirty="0"/>
-              <a:t>Pre-</a:t>
-            </a:r>
-            <a:r>
-              <a:rPr lang="en-US" dirty="0" err="1"/>
-              <a:t>Calc</a:t>
-            </a:r>
-            <a:r>
-              <a:rPr lang="en-US" dirty="0"/>
+              <a:rPr lang="en-US" dirty="0" smtClean="0"/>
+              <a:t>Math Analysis</a:t>
+            </a:r>
+            <a:br>
+              <a:rPr lang="en-US" dirty="0" smtClean="0"/>
+            </a:br>
+            <a:r>
+              <a:rPr lang="en-US" dirty="0" smtClean="0"/>
               <a:t> </a:t>
             </a:r>
             <a:r>
               <a:rPr lang="en-US" dirty="0" smtClean="0"/>
-              <a:t>&amp; Trig Mr</a:t>
+              <a:t>Mr</a:t>
             </a:r>
             <a:r>
               <a:rPr lang="en-US" dirty="0"/>
               <a:t>. Cuddy</a:t>
             </a:r>
-            <a:endParaRPr lang="en-US" dirty="0"/>
           </a:p>
         </p:txBody>
       </p:sp>
@@ -4237,6 +4235,13 @@
   <p:clrMapOvr>
     <a:masterClrMapping/>
   </p:clrMapOvr>
+  <p:timing>
+    <p:tnLst>
+      <p:par>
+        <p:cTn id="1" dur="indefinite" restart="never" nodeType="tmRoot"/>
+      </p:par>
+    </p:tnLst>
+  </p:timing>
 </p:sld>
 </file>
 
@@ -4316,8 +4321,8 @@
         </p:blipFill>
         <p:spPr>
           <a:xfrm>
-            <a:off x="3950004" y="2483887"/>
-            <a:ext cx="4444391" cy="3275782"/>
+            <a:off x="3493690" y="2483887"/>
+            <a:ext cx="5357020" cy="3948444"/>
           </a:xfrm>
         </p:spPr>
       </p:pic>
@@ -4331,6 +4336,13 @@
   <p:clrMapOvr>
     <a:masterClrMapping/>
   </p:clrMapOvr>
+  <p:timing>
+    <p:tnLst>
+      <p:par>
+        <p:cTn id="1" dur="indefinite" restart="never" nodeType="tmRoot"/>
+      </p:par>
+    </p:tnLst>
+  </p:timing>
 </p:sld>
 </file>
 
@@ -4411,8 +4423,8 @@
         </p:blipFill>
         <p:spPr>
           <a:xfrm>
-            <a:off x="3914355" y="2652052"/>
-            <a:ext cx="4515690" cy="3328334"/>
+            <a:off x="3486560" y="2578479"/>
+            <a:ext cx="5371280" cy="3958955"/>
           </a:xfrm>
         </p:spPr>
       </p:pic>
@@ -4426,6 +4438,13 @@
   <p:clrMapOvr>
     <a:masterClrMapping/>
   </p:clrMapOvr>
+  <p:timing>
+    <p:tnLst>
+      <p:par>
+        <p:cTn id="1" dur="indefinite" restart="never" nodeType="tmRoot"/>
+      </p:par>
+    </p:tnLst>
+  </p:timing>
 </p:sld>
 </file>
 
@@ -4511,8 +4530,8 @@
         </p:blipFill>
         <p:spPr>
           <a:xfrm>
-            <a:off x="4021302" y="2841238"/>
-            <a:ext cx="4301793" cy="3170679"/>
+            <a:off x="3600637" y="2767666"/>
+            <a:ext cx="5143124" cy="3790790"/>
           </a:xfrm>
         </p:spPr>
       </p:pic>
@@ -4526,6 +4545,13 @@
   <p:clrMapOvr>
     <a:masterClrMapping/>
   </p:clrMapOvr>
+  <p:timing>
+    <p:tnLst>
+      <p:par>
+        <p:cTn id="1" dur="indefinite" restart="never" nodeType="tmRoot"/>
+      </p:par>
+    </p:tnLst>
+  </p:timing>
 </p:sld>
 </file>
 
@@ -4607,8 +4633,8 @@
         </p:blipFill>
         <p:spPr>
           <a:xfrm>
-            <a:off x="3953655" y="2588300"/>
-            <a:ext cx="4437087" cy="3270399"/>
+            <a:off x="3506083" y="2588300"/>
+            <a:ext cx="5332232" cy="3930175"/>
           </a:xfrm>
         </p:spPr>
       </p:pic>
@@ -4622,6 +4648,13 @@
   <p:clrMapOvr>
     <a:masterClrMapping/>
   </p:clrMapOvr>
+  <p:timing>
+    <p:tnLst>
+      <p:par>
+        <p:cTn id="1" dur="indefinite" restart="never" nodeType="tmRoot"/>
+      </p:par>
+    </p:tnLst>
+  </p:timing>
 </p:sld>
 </file>
 
@@ -4696,6 +4729,13 @@
   <p:clrMapOvr>
     <a:masterClrMapping/>
   </p:clrMapOvr>
+  <p:timing>
+    <p:tnLst>
+      <p:par>
+        <p:cTn id="1" dur="indefinite" restart="never" nodeType="tmRoot"/>
+      </p:par>
+    </p:tnLst>
+  </p:timing>
 </p:sld>
 </file>
 
@@ -4782,6 +4822,13 @@
   <p:clrMapOvr>
     <a:masterClrMapping/>
   </p:clrMapOvr>
+  <p:timing>
+    <p:tnLst>
+      <p:par>
+        <p:cTn id="1" dur="indefinite" restart="never" nodeType="tmRoot"/>
+      </p:par>
+    </p:tnLst>
+  </p:timing>
 </p:sld>
 </file>
 
@@ -4864,6 +4911,13 @@
   <p:clrMapOvr>
     <a:masterClrMapping/>
   </p:clrMapOvr>
+  <p:timing>
+    <p:tnLst>
+      <p:par>
+        <p:cTn id="1" dur="indefinite" restart="never" nodeType="tmRoot"/>
+      </p:par>
+    </p:tnLst>
+  </p:timing>
 </p:sld>
 </file>
 
@@ -4925,10 +4979,10 @@
           <a:lstStyle/>
           <a:p>
             <a:r>
-              <a:rPr lang="en-US" sz="3400" dirty="0" smtClean="0"/>
+              <a:rPr lang="en-US" sz="4000" dirty="0" smtClean="0"/>
               <a:t>What do you want me to know about you in order to make this year the best year you’ve had in a math classroom? </a:t>
             </a:r>
-            <a:endParaRPr lang="en-US" sz="3400" dirty="0"/>
+            <a:endParaRPr lang="en-US" sz="4000" dirty="0"/>
           </a:p>
         </p:txBody>
       </p:sp>
@@ -4942,6 +4996,13 @@
   <p:clrMapOvr>
     <a:masterClrMapping/>
   </p:clrMapOvr>
+  <p:timing>
+    <p:tnLst>
+      <p:par>
+        <p:cTn id="1" dur="indefinite" restart="never" nodeType="tmRoot"/>
+      </p:par>
+    </p:tnLst>
+  </p:timing>
 </p:sld>
 </file>
 
@@ -5030,6 +5091,13 @@
   <p:clrMapOvr>
     <a:masterClrMapping/>
   </p:clrMapOvr>
+  <p:timing>
+    <p:tnLst>
+      <p:par>
+        <p:cTn id="1" dur="indefinite" restart="never" nodeType="tmRoot"/>
+      </p:par>
+    </p:tnLst>
+  </p:timing>
 </p:sld>
 </file>
 
@@ -5155,6 +5223,13 @@
   <p:clrMapOvr>
     <a:masterClrMapping/>
   </p:clrMapOvr>
+  <p:timing>
+    <p:tnLst>
+      <p:par>
+        <p:cTn id="1" dur="indefinite" restart="never" nodeType="tmRoot"/>
+      </p:par>
+    </p:tnLst>
+  </p:timing>
 </p:sld>
 </file>
 
@@ -5418,6 +5493,13 @@
   <p:clrMapOvr>
     <a:masterClrMapping/>
   </p:clrMapOvr>
+  <p:timing>
+    <p:tnLst>
+      <p:par>
+        <p:cTn id="1" dur="indefinite" restart="never" nodeType="tmRoot"/>
+      </p:par>
+    </p:tnLst>
+  </p:timing>
 </p:sld>
 </file>
 
@@ -5512,6 +5594,13 @@
   <p:clrMapOvr>
     <a:masterClrMapping/>
   </p:clrMapOvr>
+  <p:timing>
+    <p:tnLst>
+      <p:par>
+        <p:cTn id="1" dur="indefinite" restart="never" nodeType="tmRoot"/>
+      </p:par>
+    </p:tnLst>
+  </p:timing>
 </p:sld>
 </file>
 
@@ -5607,6 +5696,13 @@
   <p:clrMapOvr>
     <a:masterClrMapping/>
   </p:clrMapOvr>
+  <p:timing>
+    <p:tnLst>
+      <p:par>
+        <p:cTn id="1" dur="indefinite" restart="never" nodeType="tmRoot"/>
+      </p:par>
+    </p:tnLst>
+  </p:timing>
 </p:sld>
 </file>
 
@@ -5707,6 +5803,13 @@
   <p:clrMapOvr>
     <a:masterClrMapping/>
   </p:clrMapOvr>
+  <p:timing>
+    <p:tnLst>
+      <p:par>
+        <p:cTn id="1" dur="indefinite" restart="never" nodeType="tmRoot"/>
+      </p:par>
+    </p:tnLst>
+  </p:timing>
 </p:sld>
 </file>
 
@@ -5803,6 +5906,13 @@
   <p:clrMapOvr>
     <a:masterClrMapping/>
   </p:clrMapOvr>
+  <p:timing>
+    <p:tnLst>
+      <p:par>
+        <p:cTn id="1" dur="indefinite" restart="never" nodeType="tmRoot"/>
+      </p:par>
+    </p:tnLst>
+  </p:timing>
 </p:sld>
 </file>
 
